--- a/docs/slides/10-LinearRegression.pptx
+++ b/docs/slides/10-LinearRegression.pptx
@@ -5,7 +5,7 @@
     <p:sldMasterId id="2147483648" r:id="rId1"/>
   </p:sldMasterIdLst>
   <p:notesMasterIdLst>
-    <p:notesMasterId r:id="rId30"/>
+    <p:notesMasterId r:id="rId31"/>
   </p:notesMasterIdLst>
   <p:sldIdLst>
     <p:sldId id="442" r:id="rId2"/>
@@ -13,29 +13,30 @@
     <p:sldId id="454" r:id="rId4"/>
     <p:sldId id="269" r:id="rId5"/>
     <p:sldId id="455" r:id="rId6"/>
-    <p:sldId id="270" r:id="rId7"/>
-    <p:sldId id="272" r:id="rId8"/>
-    <p:sldId id="453" r:id="rId9"/>
-    <p:sldId id="258" r:id="rId10"/>
-    <p:sldId id="444" r:id="rId11"/>
-    <p:sldId id="445" r:id="rId12"/>
-    <p:sldId id="446" r:id="rId13"/>
-    <p:sldId id="447" r:id="rId14"/>
-    <p:sldId id="448" r:id="rId15"/>
-    <p:sldId id="449" r:id="rId16"/>
-    <p:sldId id="450" r:id="rId17"/>
-    <p:sldId id="451" r:id="rId18"/>
-    <p:sldId id="452" r:id="rId19"/>
-    <p:sldId id="260" r:id="rId20"/>
-    <p:sldId id="261" r:id="rId21"/>
-    <p:sldId id="262" r:id="rId22"/>
-    <p:sldId id="263" r:id="rId23"/>
-    <p:sldId id="259" r:id="rId24"/>
-    <p:sldId id="264" r:id="rId25"/>
-    <p:sldId id="265" r:id="rId26"/>
-    <p:sldId id="267" r:id="rId27"/>
-    <p:sldId id="266" r:id="rId28"/>
-    <p:sldId id="268" r:id="rId29"/>
+    <p:sldId id="456" r:id="rId7"/>
+    <p:sldId id="270" r:id="rId8"/>
+    <p:sldId id="272" r:id="rId9"/>
+    <p:sldId id="453" r:id="rId10"/>
+    <p:sldId id="258" r:id="rId11"/>
+    <p:sldId id="444" r:id="rId12"/>
+    <p:sldId id="445" r:id="rId13"/>
+    <p:sldId id="446" r:id="rId14"/>
+    <p:sldId id="447" r:id="rId15"/>
+    <p:sldId id="448" r:id="rId16"/>
+    <p:sldId id="449" r:id="rId17"/>
+    <p:sldId id="450" r:id="rId18"/>
+    <p:sldId id="451" r:id="rId19"/>
+    <p:sldId id="452" r:id="rId20"/>
+    <p:sldId id="260" r:id="rId21"/>
+    <p:sldId id="261" r:id="rId22"/>
+    <p:sldId id="262" r:id="rId23"/>
+    <p:sldId id="263" r:id="rId24"/>
+    <p:sldId id="259" r:id="rId25"/>
+    <p:sldId id="264" r:id="rId26"/>
+    <p:sldId id="265" r:id="rId27"/>
+    <p:sldId id="267" r:id="rId28"/>
+    <p:sldId id="266" r:id="rId29"/>
+    <p:sldId id="268" r:id="rId30"/>
   </p:sldIdLst>
   <p:sldSz cx="12192000" cy="6858000"/>
   <p:notesSz cx="6858000" cy="9144000"/>
@@ -5747,7 +5748,7 @@
     </p:spTree>
     <p:extLst>
       <p:ext uri="{BB962C8B-B14F-4D97-AF65-F5344CB8AC3E}">
-        <p14:creationId xmlns:p14="http://schemas.microsoft.com/office/powerpoint/2010/main" val="1837604695"/>
+        <p14:creationId xmlns:p14="http://schemas.microsoft.com/office/powerpoint/2010/main" val="3371515805"/>
       </p:ext>
     </p:extLst>
   </p:cSld>
@@ -5820,9 +5821,9 @@
           <a:bodyPr/>
           <a:lstStyle/>
           <a:p>
-            <a:fld id="{9D4047A1-0644-FA4A-AEA4-6BB09FF40D9E}" type="slidenum">
+            <a:fld id="{3C029165-B413-B446-A202-9AA61277A740}" type="slidenum">
               <a:rPr lang="en-US" smtClean="0"/>
-              <a:t>19</a:t>
+              <a:t>14</a:t>
             </a:fld>
             <a:endParaRPr lang="en-US"/>
           </a:p>
@@ -5831,7 +5832,7 @@
     </p:spTree>
     <p:extLst>
       <p:ext uri="{BB962C8B-B14F-4D97-AF65-F5344CB8AC3E}">
-        <p14:creationId xmlns:p14="http://schemas.microsoft.com/office/powerpoint/2010/main" val="1656753950"/>
+        <p14:creationId xmlns:p14="http://schemas.microsoft.com/office/powerpoint/2010/main" val="1837604695"/>
       </p:ext>
     </p:extLst>
   </p:cSld>
@@ -5915,7 +5916,7 @@
     </p:spTree>
     <p:extLst>
       <p:ext uri="{BB962C8B-B14F-4D97-AF65-F5344CB8AC3E}">
-        <p14:creationId xmlns:p14="http://schemas.microsoft.com/office/powerpoint/2010/main" val="1194965779"/>
+        <p14:creationId xmlns:p14="http://schemas.microsoft.com/office/powerpoint/2010/main" val="1656753950"/>
       </p:ext>
     </p:extLst>
   </p:cSld>
@@ -5999,7 +6000,7 @@
     </p:spTree>
     <p:extLst>
       <p:ext uri="{BB962C8B-B14F-4D97-AF65-F5344CB8AC3E}">
-        <p14:creationId xmlns:p14="http://schemas.microsoft.com/office/powerpoint/2010/main" val="2882627048"/>
+        <p14:creationId xmlns:p14="http://schemas.microsoft.com/office/powerpoint/2010/main" val="1194965779"/>
       </p:ext>
     </p:extLst>
   </p:cSld>
@@ -6083,7 +6084,7 @@
     </p:spTree>
     <p:extLst>
       <p:ext uri="{BB962C8B-B14F-4D97-AF65-F5344CB8AC3E}">
-        <p14:creationId xmlns:p14="http://schemas.microsoft.com/office/powerpoint/2010/main" val="2982489180"/>
+        <p14:creationId xmlns:p14="http://schemas.microsoft.com/office/powerpoint/2010/main" val="2882627048"/>
       </p:ext>
     </p:extLst>
   </p:cSld>
@@ -6167,7 +6168,7 @@
     </p:spTree>
     <p:extLst>
       <p:ext uri="{BB962C8B-B14F-4D97-AF65-F5344CB8AC3E}">
-        <p14:creationId xmlns:p14="http://schemas.microsoft.com/office/powerpoint/2010/main" val="1348977056"/>
+        <p14:creationId xmlns:p14="http://schemas.microsoft.com/office/powerpoint/2010/main" val="2982489180"/>
       </p:ext>
     </p:extLst>
   </p:cSld>
@@ -6251,7 +6252,7 @@
     </p:spTree>
     <p:extLst>
       <p:ext uri="{BB962C8B-B14F-4D97-AF65-F5344CB8AC3E}">
-        <p14:creationId xmlns:p14="http://schemas.microsoft.com/office/powerpoint/2010/main" val="3170562067"/>
+        <p14:creationId xmlns:p14="http://schemas.microsoft.com/office/powerpoint/2010/main" val="1348977056"/>
       </p:ext>
     </p:extLst>
   </p:cSld>
@@ -6335,7 +6336,7 @@
     </p:spTree>
     <p:extLst>
       <p:ext uri="{BB962C8B-B14F-4D97-AF65-F5344CB8AC3E}">
-        <p14:creationId xmlns:p14="http://schemas.microsoft.com/office/powerpoint/2010/main" val="2718686401"/>
+        <p14:creationId xmlns:p14="http://schemas.microsoft.com/office/powerpoint/2010/main" val="3170562067"/>
       </p:ext>
     </p:extLst>
   </p:cSld>
@@ -6419,7 +6420,7 @@
     </p:spTree>
     <p:extLst>
       <p:ext uri="{BB962C8B-B14F-4D97-AF65-F5344CB8AC3E}">
-        <p14:creationId xmlns:p14="http://schemas.microsoft.com/office/powerpoint/2010/main" val="3594314626"/>
+        <p14:creationId xmlns:p14="http://schemas.microsoft.com/office/powerpoint/2010/main" val="2718686401"/>
       </p:ext>
     </p:extLst>
   </p:cSld>
@@ -6503,7 +6504,7 @@
     </p:spTree>
     <p:extLst>
       <p:ext uri="{BB962C8B-B14F-4D97-AF65-F5344CB8AC3E}">
-        <p14:creationId xmlns:p14="http://schemas.microsoft.com/office/powerpoint/2010/main" val="2689657719"/>
+        <p14:creationId xmlns:p14="http://schemas.microsoft.com/office/powerpoint/2010/main" val="3594314626"/>
       </p:ext>
     </p:extLst>
   </p:cSld>
@@ -6671,6 +6672,90 @@
     </p:spTree>
     <p:extLst>
       <p:ext uri="{BB962C8B-B14F-4D97-AF65-F5344CB8AC3E}">
+        <p14:creationId xmlns:p14="http://schemas.microsoft.com/office/powerpoint/2010/main" val="2689657719"/>
+      </p:ext>
+    </p:extLst>
+  </p:cSld>
+  <p:clrMapOvr>
+    <a:masterClrMapping/>
+  </p:clrMapOvr>
+</p:notes>
+</file>
+
+<file path=ppt/notesSlides/notesSlide21.xml><?xml version="1.0" encoding="utf-8"?>
+<p:notes xmlns:a="http://schemas.openxmlformats.org/drawingml/2006/main" xmlns:r="http://schemas.openxmlformats.org/officeDocument/2006/relationships" xmlns:p="http://schemas.openxmlformats.org/presentationml/2006/main">
+  <p:cSld>
+    <p:spTree>
+      <p:nvGrpSpPr>
+        <p:cNvPr id="1" name=""/>
+        <p:cNvGrpSpPr/>
+        <p:nvPr/>
+      </p:nvGrpSpPr>
+      <p:grpSpPr>
+        <a:xfrm>
+          <a:off x="0" y="0"/>
+          <a:ext cx="0" cy="0"/>
+          <a:chOff x="0" y="0"/>
+          <a:chExt cx="0" cy="0"/>
+        </a:xfrm>
+      </p:grpSpPr>
+      <p:sp>
+        <p:nvSpPr>
+          <p:cNvPr id="2" name="Slide Image Placeholder 1"/>
+          <p:cNvSpPr>
+            <a:spLocks noGrp="1" noRot="1" noChangeAspect="1"/>
+          </p:cNvSpPr>
+          <p:nvPr>
+            <p:ph type="sldImg"/>
+          </p:nvPr>
+        </p:nvSpPr>
+        <p:spPr/>
+      </p:sp>
+      <p:sp>
+        <p:nvSpPr>
+          <p:cNvPr id="3" name="Notes Placeholder 2"/>
+          <p:cNvSpPr>
+            <a:spLocks noGrp="1"/>
+          </p:cNvSpPr>
+          <p:nvPr>
+            <p:ph type="body" idx="1"/>
+          </p:nvPr>
+        </p:nvSpPr>
+        <p:spPr/>
+        <p:txBody>
+          <a:bodyPr/>
+          <a:lstStyle/>
+          <a:p>
+            <a:endParaRPr lang="en-US"/>
+          </a:p>
+        </p:txBody>
+      </p:sp>
+      <p:sp>
+        <p:nvSpPr>
+          <p:cNvPr id="4" name="Slide Number Placeholder 3"/>
+          <p:cNvSpPr>
+            <a:spLocks noGrp="1"/>
+          </p:cNvSpPr>
+          <p:nvPr>
+            <p:ph type="sldNum" sz="quarter" idx="5"/>
+          </p:nvPr>
+        </p:nvSpPr>
+        <p:spPr/>
+        <p:txBody>
+          <a:bodyPr/>
+          <a:lstStyle/>
+          <a:p>
+            <a:fld id="{9D4047A1-0644-FA4A-AEA4-6BB09FF40D9E}" type="slidenum">
+              <a:rPr lang="en-US" smtClean="0"/>
+              <a:t>29</a:t>
+            </a:fld>
+            <a:endParaRPr lang="en-US"/>
+          </a:p>
+        </p:txBody>
+      </p:sp>
+    </p:spTree>
+    <p:extLst>
+      <p:ext uri="{BB962C8B-B14F-4D97-AF65-F5344CB8AC3E}">
         <p14:creationId xmlns:p14="http://schemas.microsoft.com/office/powerpoint/2010/main" val="3740799672"/>
       </p:ext>
     </p:extLst>
@@ -6812,7 +6897,34 @@
           <a:bodyPr/>
           <a:lstStyle/>
           <a:p>
-            <a:endParaRPr lang="en-US"/>
+            <a:r>
+              <a:rPr lang="en-US" dirty="0"/>
+              <a:t>https://</a:t>
+            </a:r>
+            <a:r>
+              <a:rPr lang="en-US" dirty="0" err="1"/>
+              <a:t>journals.sagepub.com</a:t>
+            </a:r>
+            <a:r>
+              <a:rPr lang="en-US" dirty="0"/>
+              <a:t>/</a:t>
+            </a:r>
+            <a:r>
+              <a:rPr lang="en-US" dirty="0" err="1"/>
+              <a:t>doi</a:t>
+            </a:r>
+            <a:r>
+              <a:rPr lang="en-US" dirty="0"/>
+              <a:t>/</a:t>
+            </a:r>
+            <a:r>
+              <a:rPr lang="en-US" dirty="0" err="1"/>
+              <a:t>epdf</a:t>
+            </a:r>
+            <a:r>
+              <a:rPr lang="en-US"/>
+              <a:t>/10.3141/1836-18</a:t>
+            </a:r>
           </a:p>
         </p:txBody>
       </p:sp>
@@ -6831,7 +6943,7 @@
           <a:bodyPr/>
           <a:lstStyle/>
           <a:p>
-            <a:fld id="{092FB85A-FE40-6E46-841E-29CF35138548}" type="slidenum">
+            <a:fld id="{0514801F-0EA3-8B45-AB51-2CB4B9AE2CD3}" type="slidenum">
               <a:rPr lang="en-US" smtClean="0"/>
               <a:t>6</a:t>
             </a:fld>
@@ -6842,7 +6954,7 @@
     </p:spTree>
     <p:extLst>
       <p:ext uri="{BB962C8B-B14F-4D97-AF65-F5344CB8AC3E}">
-        <p14:creationId xmlns:p14="http://schemas.microsoft.com/office/powerpoint/2010/main" val="4215049213"/>
+        <p14:creationId xmlns:p14="http://schemas.microsoft.com/office/powerpoint/2010/main" val="3045064993"/>
       </p:ext>
     </p:extLst>
   </p:cSld>
@@ -6896,17 +7008,7 @@
           <a:bodyPr/>
           <a:lstStyle/>
           <a:p>
-            <a:r>
-              <a:rPr lang="en-US" dirty="0"/>
-              <a:t>Good video on F tests: </a:t>
-            </a:r>
-            <a:r>
-              <a:rPr lang="en-US" dirty="0">
-                <a:hlinkClick r:id="rId3"/>
-              </a:rPr>
-              <a:t>https://www.youtube.com/watch?v=ie-MYQp1Nic</a:t>
-            </a:r>
-            <a:endParaRPr lang="en-US" dirty="0"/>
+            <a:endParaRPr lang="en-US"/>
           </a:p>
         </p:txBody>
       </p:sp>
@@ -6936,7 +7038,7 @@
     </p:spTree>
     <p:extLst>
       <p:ext uri="{BB962C8B-B14F-4D97-AF65-F5344CB8AC3E}">
-        <p14:creationId xmlns:p14="http://schemas.microsoft.com/office/powerpoint/2010/main" val="3952238262"/>
+        <p14:creationId xmlns:p14="http://schemas.microsoft.com/office/powerpoint/2010/main" val="4215049213"/>
       </p:ext>
     </p:extLst>
   </p:cSld>
@@ -6990,7 +7092,17 @@
           <a:bodyPr/>
           <a:lstStyle/>
           <a:p>
-            <a:endParaRPr lang="en-US"/>
+            <a:r>
+              <a:rPr lang="en-US" dirty="0"/>
+              <a:t>Good video on F tests: </a:t>
+            </a:r>
+            <a:r>
+              <a:rPr lang="en-US" dirty="0">
+                <a:hlinkClick r:id="rId3"/>
+              </a:rPr>
+              <a:t>https://www.youtube.com/watch?v=ie-MYQp1Nic</a:t>
+            </a:r>
+            <a:endParaRPr lang="en-US" dirty="0"/>
           </a:p>
         </p:txBody>
       </p:sp>
@@ -7009,9 +7121,9 @@
           <a:bodyPr/>
           <a:lstStyle/>
           <a:p>
-            <a:fld id="{3C029165-B413-B446-A202-9AA61277A740}" type="slidenum">
+            <a:fld id="{092FB85A-FE40-6E46-841E-29CF35138548}" type="slidenum">
               <a:rPr lang="en-US" smtClean="0"/>
-              <a:t>9</a:t>
+              <a:t>8</a:t>
             </a:fld>
             <a:endParaRPr lang="en-US"/>
           </a:p>
@@ -7020,7 +7132,7 @@
     </p:spTree>
     <p:extLst>
       <p:ext uri="{BB962C8B-B14F-4D97-AF65-F5344CB8AC3E}">
-        <p14:creationId xmlns:p14="http://schemas.microsoft.com/office/powerpoint/2010/main" val="1481725890"/>
+        <p14:creationId xmlns:p14="http://schemas.microsoft.com/office/powerpoint/2010/main" val="3952238262"/>
       </p:ext>
     </p:extLst>
   </p:cSld>
@@ -7104,7 +7216,7 @@
     </p:spTree>
     <p:extLst>
       <p:ext uri="{BB962C8B-B14F-4D97-AF65-F5344CB8AC3E}">
-        <p14:creationId xmlns:p14="http://schemas.microsoft.com/office/powerpoint/2010/main" val="2039286497"/>
+        <p14:creationId xmlns:p14="http://schemas.microsoft.com/office/powerpoint/2010/main" val="1481725890"/>
       </p:ext>
     </p:extLst>
   </p:cSld>
@@ -7188,7 +7300,7 @@
     </p:spTree>
     <p:extLst>
       <p:ext uri="{BB962C8B-B14F-4D97-AF65-F5344CB8AC3E}">
-        <p14:creationId xmlns:p14="http://schemas.microsoft.com/office/powerpoint/2010/main" val="307790639"/>
+        <p14:creationId xmlns:p14="http://schemas.microsoft.com/office/powerpoint/2010/main" val="2039286497"/>
       </p:ext>
     </p:extLst>
   </p:cSld>
@@ -7272,7 +7384,7 @@
     </p:spTree>
     <p:extLst>
       <p:ext uri="{BB962C8B-B14F-4D97-AF65-F5344CB8AC3E}">
-        <p14:creationId xmlns:p14="http://schemas.microsoft.com/office/powerpoint/2010/main" val="3371515805"/>
+        <p14:creationId xmlns:p14="http://schemas.microsoft.com/office/powerpoint/2010/main" val="307790639"/>
       </p:ext>
     </p:extLst>
   </p:cSld>
@@ -10594,6 +10706,458 @@
           <p:cNvPr id="2" name="Title 1">
             <a:extLst>
               <a:ext uri="{FF2B5EF4-FFF2-40B4-BE49-F238E27FC236}">
+                <a16:creationId xmlns:a16="http://schemas.microsoft.com/office/drawing/2014/main" id="{93B9DA5C-46FC-4044-9626-68F2474040B3}"/>
+              </a:ext>
+            </a:extLst>
+          </p:cNvPr>
+          <p:cNvSpPr>
+            <a:spLocks noGrp="1"/>
+          </p:cNvSpPr>
+          <p:nvPr>
+            <p:ph type="title"/>
+          </p:nvPr>
+        </p:nvSpPr>
+        <p:spPr/>
+        <p:txBody>
+          <a:bodyPr/>
+          <a:lstStyle/>
+          <a:p>
+            <a:r>
+              <a:rPr lang="en-US" dirty="0"/>
+              <a:t>Problem</a:t>
+            </a:r>
+          </a:p>
+        </p:txBody>
+      </p:sp>
+      <p:sp>
+        <p:nvSpPr>
+          <p:cNvPr id="3" name="Content Placeholder 2">
+            <a:extLst>
+              <a:ext uri="{FF2B5EF4-FFF2-40B4-BE49-F238E27FC236}">
+                <a16:creationId xmlns:a16="http://schemas.microsoft.com/office/drawing/2014/main" id="{7CC2430F-A9B9-1D4B-A366-D471449A2F48}"/>
+              </a:ext>
+            </a:extLst>
+          </p:cNvPr>
+          <p:cNvSpPr>
+            <a:spLocks noGrp="1"/>
+          </p:cNvSpPr>
+          <p:nvPr>
+            <p:ph idx="1"/>
+          </p:nvPr>
+        </p:nvSpPr>
+        <p:spPr>
+          <a:xfrm>
+            <a:off x="838200" y="1693450"/>
+            <a:ext cx="10515600" cy="4799425"/>
+          </a:xfrm>
+        </p:spPr>
+        <p:txBody>
+          <a:bodyPr>
+            <a:normAutofit/>
+          </a:bodyPr>
+          <a:lstStyle/>
+          <a:p>
+            <a:r>
+              <a:rPr lang="en-US" dirty="0"/>
+              <a:t>Linear models may not fully capture the wide variety of functions we need to approximate in supervised learning.</a:t>
+            </a:r>
+          </a:p>
+          <a:p>
+            <a:endParaRPr lang="en-US" dirty="0"/>
+          </a:p>
+          <a:p>
+            <a:r>
+              <a:rPr lang="en-US" dirty="0"/>
+              <a:t>Often, data does not always map to real-valued vectors</a:t>
+            </a:r>
+          </a:p>
+          <a:p>
+            <a:pPr lvl="1"/>
+            <a:r>
+              <a:rPr lang="en-US" dirty="0"/>
+              <a:t>Molecules</a:t>
+            </a:r>
+          </a:p>
+          <a:p>
+            <a:pPr lvl="1"/>
+            <a:r>
+              <a:rPr lang="en-US" dirty="0"/>
+              <a:t>Text</a:t>
+            </a:r>
+          </a:p>
+          <a:p>
+            <a:pPr lvl="1"/>
+            <a:r>
+              <a:rPr lang="en-US" dirty="0"/>
+              <a:t>Graphs</a:t>
+            </a:r>
+          </a:p>
+          <a:p>
+            <a:pPr lvl="1"/>
+            <a:r>
+              <a:rPr lang="en-US" dirty="0"/>
+              <a:t>…</a:t>
+            </a:r>
+          </a:p>
+          <a:p>
+            <a:pPr lvl="1"/>
+            <a:endParaRPr lang="en-US" dirty="0"/>
+          </a:p>
+          <a:p>
+            <a:r>
+              <a:rPr lang="en-US" b="1" dirty="0">
+                <a:solidFill>
+                  <a:srgbClr val="C00000"/>
+                </a:solidFill>
+              </a:rPr>
+              <a:t>Goal: </a:t>
+            </a:r>
+            <a:r>
+              <a:rPr lang="en-US" dirty="0"/>
+              <a:t>Need a way to represent non-linear regression.</a:t>
+            </a:r>
+          </a:p>
+        </p:txBody>
+      </p:sp>
+    </p:spTree>
+    <p:extLst>
+      <p:ext uri="{BB962C8B-B14F-4D97-AF65-F5344CB8AC3E}">
+        <p14:creationId xmlns:p14="http://schemas.microsoft.com/office/powerpoint/2010/main" val="959695622"/>
+      </p:ext>
+    </p:extLst>
+  </p:cSld>
+  <p:clrMapOvr>
+    <a:masterClrMapping/>
+  </p:clrMapOvr>
+  <p:timing>
+    <p:tnLst>
+      <p:par>
+        <p:cTn id="1" dur="indefinite" restart="never" nodeType="tmRoot">
+          <p:childTnLst>
+            <p:seq concurrent="1" nextAc="seek">
+              <p:cTn id="2" dur="indefinite" nodeType="mainSeq">
+                <p:childTnLst>
+                  <p:par>
+                    <p:cTn id="3" fill="hold">
+                      <p:stCondLst>
+                        <p:cond delay="indefinite"/>
+                      </p:stCondLst>
+                      <p:childTnLst>
+                        <p:par>
+                          <p:cTn id="4" fill="hold">
+                            <p:stCondLst>
+                              <p:cond delay="0"/>
+                            </p:stCondLst>
+                            <p:childTnLst>
+                              <p:par>
+                                <p:cTn id="5" presetID="1" presetClass="entr" presetSubtype="0" fill="hold" grpId="0" nodeType="clickEffect">
+                                  <p:stCondLst>
+                                    <p:cond delay="0"/>
+                                  </p:stCondLst>
+                                  <p:childTnLst>
+                                    <p:set>
+                                      <p:cBhvr>
+                                        <p:cTn id="6" dur="1" fill="hold">
+                                          <p:stCondLst>
+                                            <p:cond delay="0"/>
+                                          </p:stCondLst>
+                                        </p:cTn>
+                                        <p:tgtEl>
+                                          <p:spTgt spid="3">
+                                            <p:txEl>
+                                              <p:pRg st="0" end="0"/>
+                                            </p:txEl>
+                                          </p:spTgt>
+                                        </p:tgtEl>
+                                        <p:attrNameLst>
+                                          <p:attrName>style.visibility</p:attrName>
+                                        </p:attrNameLst>
+                                      </p:cBhvr>
+                                      <p:to>
+                                        <p:strVal val="visible"/>
+                                      </p:to>
+                                    </p:set>
+                                  </p:childTnLst>
+                                </p:cTn>
+                              </p:par>
+                            </p:childTnLst>
+                          </p:cTn>
+                        </p:par>
+                      </p:childTnLst>
+                    </p:cTn>
+                  </p:par>
+                  <p:par>
+                    <p:cTn id="7" fill="hold">
+                      <p:stCondLst>
+                        <p:cond delay="indefinite"/>
+                      </p:stCondLst>
+                      <p:childTnLst>
+                        <p:par>
+                          <p:cTn id="8" fill="hold">
+                            <p:stCondLst>
+                              <p:cond delay="0"/>
+                            </p:stCondLst>
+                            <p:childTnLst>
+                              <p:par>
+                                <p:cTn id="9" presetID="1" presetClass="entr" presetSubtype="0" fill="hold" grpId="0" nodeType="clickEffect">
+                                  <p:stCondLst>
+                                    <p:cond delay="0"/>
+                                  </p:stCondLst>
+                                  <p:childTnLst>
+                                    <p:set>
+                                      <p:cBhvr>
+                                        <p:cTn id="10" dur="1" fill="hold">
+                                          <p:stCondLst>
+                                            <p:cond delay="0"/>
+                                          </p:stCondLst>
+                                        </p:cTn>
+                                        <p:tgtEl>
+                                          <p:spTgt spid="3">
+                                            <p:txEl>
+                                              <p:pRg st="2" end="2"/>
+                                            </p:txEl>
+                                          </p:spTgt>
+                                        </p:tgtEl>
+                                        <p:attrNameLst>
+                                          <p:attrName>style.visibility</p:attrName>
+                                        </p:attrNameLst>
+                                      </p:cBhvr>
+                                      <p:to>
+                                        <p:strVal val="visible"/>
+                                      </p:to>
+                                    </p:set>
+                                  </p:childTnLst>
+                                </p:cTn>
+                              </p:par>
+                              <p:par>
+                                <p:cTn id="11" presetID="1" presetClass="entr" presetSubtype="0" fill="hold" grpId="0" nodeType="withEffect">
+                                  <p:stCondLst>
+                                    <p:cond delay="0"/>
+                                  </p:stCondLst>
+                                  <p:childTnLst>
+                                    <p:set>
+                                      <p:cBhvr>
+                                        <p:cTn id="12" dur="1" fill="hold">
+                                          <p:stCondLst>
+                                            <p:cond delay="0"/>
+                                          </p:stCondLst>
+                                        </p:cTn>
+                                        <p:tgtEl>
+                                          <p:spTgt spid="3">
+                                            <p:txEl>
+                                              <p:pRg st="3" end="3"/>
+                                            </p:txEl>
+                                          </p:spTgt>
+                                        </p:tgtEl>
+                                        <p:attrNameLst>
+                                          <p:attrName>style.visibility</p:attrName>
+                                        </p:attrNameLst>
+                                      </p:cBhvr>
+                                      <p:to>
+                                        <p:strVal val="visible"/>
+                                      </p:to>
+                                    </p:set>
+                                  </p:childTnLst>
+                                </p:cTn>
+                              </p:par>
+                              <p:par>
+                                <p:cTn id="13" presetID="1" presetClass="entr" presetSubtype="0" fill="hold" grpId="0" nodeType="withEffect">
+                                  <p:stCondLst>
+                                    <p:cond delay="0"/>
+                                  </p:stCondLst>
+                                  <p:childTnLst>
+                                    <p:set>
+                                      <p:cBhvr>
+                                        <p:cTn id="14" dur="1" fill="hold">
+                                          <p:stCondLst>
+                                            <p:cond delay="0"/>
+                                          </p:stCondLst>
+                                        </p:cTn>
+                                        <p:tgtEl>
+                                          <p:spTgt spid="3">
+                                            <p:txEl>
+                                              <p:pRg st="4" end="4"/>
+                                            </p:txEl>
+                                          </p:spTgt>
+                                        </p:tgtEl>
+                                        <p:attrNameLst>
+                                          <p:attrName>style.visibility</p:attrName>
+                                        </p:attrNameLst>
+                                      </p:cBhvr>
+                                      <p:to>
+                                        <p:strVal val="visible"/>
+                                      </p:to>
+                                    </p:set>
+                                  </p:childTnLst>
+                                </p:cTn>
+                              </p:par>
+                              <p:par>
+                                <p:cTn id="15" presetID="1" presetClass="entr" presetSubtype="0" fill="hold" grpId="0" nodeType="withEffect">
+                                  <p:stCondLst>
+                                    <p:cond delay="0"/>
+                                  </p:stCondLst>
+                                  <p:childTnLst>
+                                    <p:set>
+                                      <p:cBhvr>
+                                        <p:cTn id="16" dur="1" fill="hold">
+                                          <p:stCondLst>
+                                            <p:cond delay="0"/>
+                                          </p:stCondLst>
+                                        </p:cTn>
+                                        <p:tgtEl>
+                                          <p:spTgt spid="3">
+                                            <p:txEl>
+                                              <p:pRg st="5" end="5"/>
+                                            </p:txEl>
+                                          </p:spTgt>
+                                        </p:tgtEl>
+                                        <p:attrNameLst>
+                                          <p:attrName>style.visibility</p:attrName>
+                                        </p:attrNameLst>
+                                      </p:cBhvr>
+                                      <p:to>
+                                        <p:strVal val="visible"/>
+                                      </p:to>
+                                    </p:set>
+                                  </p:childTnLst>
+                                </p:cTn>
+                              </p:par>
+                              <p:par>
+                                <p:cTn id="17" presetID="1" presetClass="entr" presetSubtype="0" fill="hold" grpId="0" nodeType="withEffect">
+                                  <p:stCondLst>
+                                    <p:cond delay="0"/>
+                                  </p:stCondLst>
+                                  <p:childTnLst>
+                                    <p:set>
+                                      <p:cBhvr>
+                                        <p:cTn id="18" dur="1" fill="hold">
+                                          <p:stCondLst>
+                                            <p:cond delay="0"/>
+                                          </p:stCondLst>
+                                        </p:cTn>
+                                        <p:tgtEl>
+                                          <p:spTgt spid="3">
+                                            <p:txEl>
+                                              <p:pRg st="6" end="6"/>
+                                            </p:txEl>
+                                          </p:spTgt>
+                                        </p:tgtEl>
+                                        <p:attrNameLst>
+                                          <p:attrName>style.visibility</p:attrName>
+                                        </p:attrNameLst>
+                                      </p:cBhvr>
+                                      <p:to>
+                                        <p:strVal val="visible"/>
+                                      </p:to>
+                                    </p:set>
+                                  </p:childTnLst>
+                                </p:cTn>
+                              </p:par>
+                            </p:childTnLst>
+                          </p:cTn>
+                        </p:par>
+                      </p:childTnLst>
+                    </p:cTn>
+                  </p:par>
+                  <p:par>
+                    <p:cTn id="19" fill="hold">
+                      <p:stCondLst>
+                        <p:cond delay="indefinite"/>
+                      </p:stCondLst>
+                      <p:childTnLst>
+                        <p:par>
+                          <p:cTn id="20" fill="hold">
+                            <p:stCondLst>
+                              <p:cond delay="0"/>
+                            </p:stCondLst>
+                            <p:childTnLst>
+                              <p:par>
+                                <p:cTn id="21" presetID="1" presetClass="entr" presetSubtype="0" fill="hold" grpId="0" nodeType="clickEffect">
+                                  <p:stCondLst>
+                                    <p:cond delay="0"/>
+                                  </p:stCondLst>
+                                  <p:childTnLst>
+                                    <p:set>
+                                      <p:cBhvr>
+                                        <p:cTn id="22" dur="1" fill="hold">
+                                          <p:stCondLst>
+                                            <p:cond delay="0"/>
+                                          </p:stCondLst>
+                                        </p:cTn>
+                                        <p:tgtEl>
+                                          <p:spTgt spid="3">
+                                            <p:txEl>
+                                              <p:pRg st="8" end="8"/>
+                                            </p:txEl>
+                                          </p:spTgt>
+                                        </p:tgtEl>
+                                        <p:attrNameLst>
+                                          <p:attrName>style.visibility</p:attrName>
+                                        </p:attrNameLst>
+                                      </p:cBhvr>
+                                      <p:to>
+                                        <p:strVal val="visible"/>
+                                      </p:to>
+                                    </p:set>
+                                  </p:childTnLst>
+                                </p:cTn>
+                              </p:par>
+                            </p:childTnLst>
+                          </p:cTn>
+                        </p:par>
+                      </p:childTnLst>
+                    </p:cTn>
+                  </p:par>
+                </p:childTnLst>
+              </p:cTn>
+              <p:prevCondLst>
+                <p:cond evt="onPrev" delay="0">
+                  <p:tgtEl>
+                    <p:sldTgt/>
+                  </p:tgtEl>
+                </p:cond>
+              </p:prevCondLst>
+              <p:nextCondLst>
+                <p:cond evt="onNext" delay="0">
+                  <p:tgtEl>
+                    <p:sldTgt/>
+                  </p:tgtEl>
+                </p:cond>
+              </p:nextCondLst>
+            </p:seq>
+          </p:childTnLst>
+        </p:cTn>
+      </p:par>
+    </p:tnLst>
+    <p:bldLst>
+      <p:bldP spid="3" grpId="0" build="p"/>
+    </p:bldLst>
+  </p:timing>
+</p:sld>
+</file>
+
+<file path=ppt/slides/slide11.xml><?xml version="1.0" encoding="utf-8"?>
+<p:sld xmlns:a="http://schemas.openxmlformats.org/drawingml/2006/main" xmlns:r="http://schemas.openxmlformats.org/officeDocument/2006/relationships" xmlns:p="http://schemas.openxmlformats.org/presentationml/2006/main">
+  <p:cSld>
+    <p:spTree>
+      <p:nvGrpSpPr>
+        <p:cNvPr id="1" name=""/>
+        <p:cNvGrpSpPr/>
+        <p:nvPr/>
+      </p:nvGrpSpPr>
+      <p:grpSpPr>
+        <a:xfrm>
+          <a:off x="0" y="0"/>
+          <a:ext cx="0" cy="0"/>
+          <a:chOff x="0" y="0"/>
+          <a:chExt cx="0" cy="0"/>
+        </a:xfrm>
+      </p:grpSpPr>
+      <p:sp>
+        <p:nvSpPr>
+          <p:cNvPr id="2" name="Title 1">
+            <a:extLst>
+              <a:ext uri="{FF2B5EF4-FFF2-40B4-BE49-F238E27FC236}">
                 <a16:creationId xmlns:a16="http://schemas.microsoft.com/office/drawing/2014/main" id="{7DCFB320-2A1E-0040-B9D3-08943FF1A73B}"/>
               </a:ext>
             </a:extLst>
@@ -10743,7 +11307,7 @@
 </p:sld>
 </file>
 
-<file path=ppt/slides/slide11.xml><?xml version="1.0" encoding="utf-8"?>
+<file path=ppt/slides/slide12.xml><?xml version="1.0" encoding="utf-8"?>
 <p:sld xmlns:a="http://schemas.openxmlformats.org/drawingml/2006/main" xmlns:r="http://schemas.openxmlformats.org/officeDocument/2006/relationships" xmlns:p="http://schemas.openxmlformats.org/presentationml/2006/main">
   <p:cSld>
     <p:spTree>
@@ -11330,7 +11894,7 @@
 </p:sld>
 </file>
 
-<file path=ppt/slides/slide12.xml><?xml version="1.0" encoding="utf-8"?>
+<file path=ppt/slides/slide13.xml><?xml version="1.0" encoding="utf-8"?>
 <p:sld xmlns:a="http://schemas.openxmlformats.org/drawingml/2006/main" xmlns:r="http://schemas.openxmlformats.org/officeDocument/2006/relationships" xmlns:p="http://schemas.openxmlformats.org/presentationml/2006/main">
   <p:cSld>
     <p:spTree>
@@ -13857,7 +14421,7 @@
 </p:sld>
 </file>
 
-<file path=ppt/slides/slide13.xml><?xml version="1.0" encoding="utf-8"?>
+<file path=ppt/slides/slide14.xml><?xml version="1.0" encoding="utf-8"?>
 <p:sld xmlns:a="http://schemas.openxmlformats.org/drawingml/2006/main" xmlns:r="http://schemas.openxmlformats.org/officeDocument/2006/relationships" xmlns:p="http://schemas.openxmlformats.org/presentationml/2006/main">
   <p:cSld>
     <p:spTree>
@@ -14126,7 +14690,7 @@
 </p:sld>
 </file>
 
-<file path=ppt/slides/slide14.xml><?xml version="1.0" encoding="utf-8"?>
+<file path=ppt/slides/slide15.xml><?xml version="1.0" encoding="utf-8"?>
 <p:sld xmlns:a="http://schemas.openxmlformats.org/drawingml/2006/main" xmlns:r="http://schemas.openxmlformats.org/officeDocument/2006/relationships" xmlns:p="http://schemas.openxmlformats.org/presentationml/2006/main">
   <p:cSld>
     <p:spTree>
@@ -17121,7 +17685,7 @@
 </p:sld>
 </file>
 
-<file path=ppt/slides/slide15.xml><?xml version="1.0" encoding="utf-8"?>
+<file path=ppt/slides/slide16.xml><?xml version="1.0" encoding="utf-8"?>
 <p:sld xmlns:a="http://schemas.openxmlformats.org/drawingml/2006/main" xmlns:r="http://schemas.openxmlformats.org/officeDocument/2006/relationships" xmlns:p="http://schemas.openxmlformats.org/presentationml/2006/main">
   <p:cSld>
     <p:spTree>
@@ -18505,7 +19069,7 @@
 </p:sld>
 </file>
 
-<file path=ppt/slides/slide16.xml><?xml version="1.0" encoding="utf-8"?>
+<file path=ppt/slides/slide17.xml><?xml version="1.0" encoding="utf-8"?>
 <p:sld xmlns:a="http://schemas.openxmlformats.org/drawingml/2006/main" xmlns:r="http://schemas.openxmlformats.org/officeDocument/2006/relationships" xmlns:p="http://schemas.openxmlformats.org/presentationml/2006/main">
   <p:cSld>
     <p:spTree>
@@ -18823,7 +19387,7 @@
 </p:sld>
 </file>
 
-<file path=ppt/slides/slide17.xml><?xml version="1.0" encoding="utf-8"?>
+<file path=ppt/slides/slide18.xml><?xml version="1.0" encoding="utf-8"?>
 <p:sld xmlns:a="http://schemas.openxmlformats.org/drawingml/2006/main" xmlns:r="http://schemas.openxmlformats.org/officeDocument/2006/relationships" xmlns:p="http://schemas.openxmlformats.org/presentationml/2006/main">
   <p:cSld>
     <p:spTree>
@@ -18979,7 +19543,7 @@
 </p:sld>
 </file>
 
-<file path=ppt/slides/slide18.xml><?xml version="1.0" encoding="utf-8"?>
+<file path=ppt/slides/slide19.xml><?xml version="1.0" encoding="utf-8"?>
 <p:sld xmlns:a="http://schemas.openxmlformats.org/drawingml/2006/main" xmlns:r="http://schemas.openxmlformats.org/officeDocument/2006/relationships" xmlns:p="http://schemas.openxmlformats.org/presentationml/2006/main">
   <p:cSld>
     <p:spTree>
@@ -19043,7 +19607,71 @@
 </p:sld>
 </file>
 
-<file path=ppt/slides/slide19.xml><?xml version="1.0" encoding="utf-8"?>
+<file path=ppt/slides/slide2.xml><?xml version="1.0" encoding="utf-8"?>
+<p:sld xmlns:a="http://schemas.openxmlformats.org/drawingml/2006/main" xmlns:r="http://schemas.openxmlformats.org/officeDocument/2006/relationships" xmlns:p="http://schemas.openxmlformats.org/presentationml/2006/main">
+  <p:cSld>
+    <p:spTree>
+      <p:nvGrpSpPr>
+        <p:cNvPr id="1" name=""/>
+        <p:cNvGrpSpPr/>
+        <p:nvPr/>
+      </p:nvGrpSpPr>
+      <p:grpSpPr>
+        <a:xfrm>
+          <a:off x="0" y="0"/>
+          <a:ext cx="0" cy="0"/>
+          <a:chOff x="0" y="0"/>
+          <a:chExt cx="0" cy="0"/>
+        </a:xfrm>
+      </p:grpSpPr>
+      <p:sp>
+        <p:nvSpPr>
+          <p:cNvPr id="2" name="Title 1">
+            <a:extLst>
+              <a:ext uri="{FF2B5EF4-FFF2-40B4-BE49-F238E27FC236}">
+                <a16:creationId xmlns:a16="http://schemas.microsoft.com/office/drawing/2014/main" id="{82F9CA71-1624-CB4E-B238-89C433117F4C}"/>
+              </a:ext>
+            </a:extLst>
+          </p:cNvPr>
+          <p:cNvSpPr>
+            <a:spLocks noGrp="1"/>
+          </p:cNvSpPr>
+          <p:nvPr>
+            <p:ph type="title"/>
+          </p:nvPr>
+        </p:nvSpPr>
+        <p:spPr>
+          <a:xfrm>
+            <a:off x="838200" y="2015018"/>
+            <a:ext cx="10515600" cy="1325563"/>
+          </a:xfrm>
+        </p:spPr>
+        <p:txBody>
+          <a:bodyPr/>
+          <a:lstStyle/>
+          <a:p>
+            <a:pPr algn="ctr"/>
+            <a:r>
+              <a:rPr lang="en-US" dirty="0"/>
+              <a:t>Linear Regression and Polynomial Expansion</a:t>
+            </a:r>
+          </a:p>
+        </p:txBody>
+      </p:sp>
+    </p:spTree>
+    <p:extLst>
+      <p:ext uri="{BB962C8B-B14F-4D97-AF65-F5344CB8AC3E}">
+        <p14:creationId xmlns:p14="http://schemas.microsoft.com/office/powerpoint/2010/main" val="3315874215"/>
+      </p:ext>
+    </p:extLst>
+  </p:cSld>
+  <p:clrMapOvr>
+    <a:masterClrMapping/>
+  </p:clrMapOvr>
+</p:sld>
+</file>
+
+<file path=ppt/slides/slide20.xml><?xml version="1.0" encoding="utf-8"?>
 <p:sld xmlns:a="http://schemas.openxmlformats.org/drawingml/2006/main" xmlns:r="http://schemas.openxmlformats.org/officeDocument/2006/relationships" xmlns:p="http://schemas.openxmlformats.org/presentationml/2006/main">
   <p:cSld>
     <p:spTree>
@@ -19500,71 +20128,7 @@
 </p:sld>
 </file>
 
-<file path=ppt/slides/slide2.xml><?xml version="1.0" encoding="utf-8"?>
-<p:sld xmlns:a="http://schemas.openxmlformats.org/drawingml/2006/main" xmlns:r="http://schemas.openxmlformats.org/officeDocument/2006/relationships" xmlns:p="http://schemas.openxmlformats.org/presentationml/2006/main">
-  <p:cSld>
-    <p:spTree>
-      <p:nvGrpSpPr>
-        <p:cNvPr id="1" name=""/>
-        <p:cNvGrpSpPr/>
-        <p:nvPr/>
-      </p:nvGrpSpPr>
-      <p:grpSpPr>
-        <a:xfrm>
-          <a:off x="0" y="0"/>
-          <a:ext cx="0" cy="0"/>
-          <a:chOff x="0" y="0"/>
-          <a:chExt cx="0" cy="0"/>
-        </a:xfrm>
-      </p:grpSpPr>
-      <p:sp>
-        <p:nvSpPr>
-          <p:cNvPr id="2" name="Title 1">
-            <a:extLst>
-              <a:ext uri="{FF2B5EF4-FFF2-40B4-BE49-F238E27FC236}">
-                <a16:creationId xmlns:a16="http://schemas.microsoft.com/office/drawing/2014/main" id="{82F9CA71-1624-CB4E-B238-89C433117F4C}"/>
-              </a:ext>
-            </a:extLst>
-          </p:cNvPr>
-          <p:cNvSpPr>
-            <a:spLocks noGrp="1"/>
-          </p:cNvSpPr>
-          <p:nvPr>
-            <p:ph type="title"/>
-          </p:nvPr>
-        </p:nvSpPr>
-        <p:spPr>
-          <a:xfrm>
-            <a:off x="838200" y="2015018"/>
-            <a:ext cx="10515600" cy="1325563"/>
-          </a:xfrm>
-        </p:spPr>
-        <p:txBody>
-          <a:bodyPr/>
-          <a:lstStyle/>
-          <a:p>
-            <a:pPr algn="ctr"/>
-            <a:r>
-              <a:rPr lang="en-US" dirty="0"/>
-              <a:t>Linear Regression and Polynomial Expansion</a:t>
-            </a:r>
-          </a:p>
-        </p:txBody>
-      </p:sp>
-    </p:spTree>
-    <p:extLst>
-      <p:ext uri="{BB962C8B-B14F-4D97-AF65-F5344CB8AC3E}">
-        <p14:creationId xmlns:p14="http://schemas.microsoft.com/office/powerpoint/2010/main" val="3315874215"/>
-      </p:ext>
-    </p:extLst>
-  </p:cSld>
-  <p:clrMapOvr>
-    <a:masterClrMapping/>
-  </p:clrMapOvr>
-</p:sld>
-</file>
-
-<file path=ppt/slides/slide20.xml><?xml version="1.0" encoding="utf-8"?>
+<file path=ppt/slides/slide21.xml><?xml version="1.0" encoding="utf-8"?>
 <p:sld xmlns:a="http://schemas.openxmlformats.org/drawingml/2006/main" xmlns:r="http://schemas.openxmlformats.org/officeDocument/2006/relationships" xmlns:p="http://schemas.openxmlformats.org/presentationml/2006/main">
   <p:cSld>
     <p:spTree>
@@ -19877,7 +20441,7 @@
 </p:sld>
 </file>
 
-<file path=ppt/slides/slide21.xml><?xml version="1.0" encoding="utf-8"?>
+<file path=ppt/slides/slide22.xml><?xml version="1.0" encoding="utf-8"?>
 <p:sld xmlns:a="http://schemas.openxmlformats.org/drawingml/2006/main" xmlns:r="http://schemas.openxmlformats.org/officeDocument/2006/relationships" xmlns:p="http://schemas.openxmlformats.org/presentationml/2006/main">
   <p:cSld>
     <p:spTree>
@@ -20269,7 +20833,7 @@
 </p:sld>
 </file>
 
-<file path=ppt/slides/slide22.xml><?xml version="1.0" encoding="utf-8"?>
+<file path=ppt/slides/slide23.xml><?xml version="1.0" encoding="utf-8"?>
 <p:sld xmlns:a="http://schemas.openxmlformats.org/drawingml/2006/main" xmlns:r="http://schemas.openxmlformats.org/officeDocument/2006/relationships" xmlns:p="http://schemas.openxmlformats.org/presentationml/2006/main">
   <p:cSld>
     <p:spTree>
@@ -20357,7 +20921,7 @@
 </p:sld>
 </file>
 
-<file path=ppt/slides/slide23.xml><?xml version="1.0" encoding="utf-8"?>
+<file path=ppt/slides/slide24.xml><?xml version="1.0" encoding="utf-8"?>
 <p:sld xmlns:a="http://schemas.openxmlformats.org/drawingml/2006/main" xmlns:r="http://schemas.openxmlformats.org/officeDocument/2006/relationships" xmlns:p="http://schemas.openxmlformats.org/presentationml/2006/main">
   <p:cSld>
     <p:spTree>
@@ -20769,7 +21333,7 @@
 </p:sld>
 </file>
 
-<file path=ppt/slides/slide24.xml><?xml version="1.0" encoding="utf-8"?>
+<file path=ppt/slides/slide25.xml><?xml version="1.0" encoding="utf-8"?>
 <p:sld xmlns:a="http://schemas.openxmlformats.org/drawingml/2006/main" xmlns:r="http://schemas.openxmlformats.org/officeDocument/2006/relationships" xmlns:p="http://schemas.openxmlformats.org/presentationml/2006/main">
   <p:cSld>
     <p:spTree>
@@ -20930,7 +21494,7 @@
 </p:sld>
 </file>
 
-<file path=ppt/slides/slide25.xml><?xml version="1.0" encoding="utf-8"?>
+<file path=ppt/slides/slide26.xml><?xml version="1.0" encoding="utf-8"?>
 <p:sld xmlns:a="http://schemas.openxmlformats.org/drawingml/2006/main" xmlns:r="http://schemas.openxmlformats.org/officeDocument/2006/relationships" xmlns:p="http://schemas.openxmlformats.org/presentationml/2006/main">
   <p:cSld>
     <p:spTree>
@@ -21554,7 +22118,7 @@
 </p:sld>
 </file>
 
-<file path=ppt/slides/slide26.xml><?xml version="1.0" encoding="utf-8"?>
+<file path=ppt/slides/slide27.xml><?xml version="1.0" encoding="utf-8"?>
 <p:sld xmlns:a="http://schemas.openxmlformats.org/drawingml/2006/main" xmlns:r="http://schemas.openxmlformats.org/officeDocument/2006/relationships" xmlns:p="http://schemas.openxmlformats.org/presentationml/2006/main">
   <p:cSld>
     <p:spTree>
@@ -22041,7 +22605,7 @@
 </p:sld>
 </file>
 
-<file path=ppt/slides/slide27.xml><?xml version="1.0" encoding="utf-8"?>
+<file path=ppt/slides/slide28.xml><?xml version="1.0" encoding="utf-8"?>
 <p:sld xmlns:a="http://schemas.openxmlformats.org/drawingml/2006/main" xmlns:r="http://schemas.openxmlformats.org/officeDocument/2006/relationships" xmlns:p="http://schemas.openxmlformats.org/presentationml/2006/main">
   <p:cSld>
     <p:spTree>
@@ -22407,7 +22971,7 @@
 </p:sld>
 </file>
 
-<file path=ppt/slides/slide28.xml><?xml version="1.0" encoding="utf-8"?>
+<file path=ppt/slides/slide29.xml><?xml version="1.0" encoding="utf-8"?>
 <p:sld xmlns:a="http://schemas.openxmlformats.org/drawingml/2006/main" xmlns:r="http://schemas.openxmlformats.org/officeDocument/2006/relationships" xmlns:p="http://schemas.openxmlformats.org/presentationml/2006/main">
   <p:cSld>
     <p:spTree>
@@ -24604,6 +25168,372 @@
 <file path=ppt/slides/slide6.xml><?xml version="1.0" encoding="utf-8"?>
 <p:sld xmlns:a="http://schemas.openxmlformats.org/drawingml/2006/main" xmlns:r="http://schemas.openxmlformats.org/officeDocument/2006/relationships" xmlns:p="http://schemas.openxmlformats.org/presentationml/2006/main">
   <p:cSld>
+    <p:bg>
+      <p:bgPr>
+        <a:solidFill>
+          <a:schemeClr val="bg1"/>
+        </a:solidFill>
+        <a:effectLst/>
+      </p:bgPr>
+    </p:bg>
+    <p:spTree>
+      <p:nvGrpSpPr>
+        <p:cNvPr id="1" name=""/>
+        <p:cNvGrpSpPr/>
+        <p:nvPr/>
+      </p:nvGrpSpPr>
+      <p:grpSpPr>
+        <a:xfrm>
+          <a:off x="0" y="0"/>
+          <a:ext cx="0" cy="0"/>
+          <a:chOff x="0" y="0"/>
+          <a:chExt cx="0" cy="0"/>
+        </a:xfrm>
+      </p:grpSpPr>
+      <p:sp useBgFill="1">
+        <p:nvSpPr>
+          <p:cNvPr id="7" name="Rectangle 6">
+            <a:extLst>
+              <a:ext uri="{FF2B5EF4-FFF2-40B4-BE49-F238E27FC236}">
+                <a16:creationId xmlns:a16="http://schemas.microsoft.com/office/drawing/2014/main" id="{AB8C311F-7253-4AED-9701-7FC0708C41C7}"/>
+              </a:ext>
+              <a:ext uri="{C183D7F6-B498-43B3-948B-1728B52AA6E4}">
+                <adec:decorative xmlns:adec="http://schemas.microsoft.com/office/drawing/2017/decorative" val="1"/>
+              </a:ext>
+            </a:extLst>
+          </p:cNvPr>
+          <p:cNvSpPr>
+            <a:spLocks noGrp="1" noRot="1" noChangeAspect="1" noMove="1" noResize="1" noEditPoints="1" noAdjustHandles="1" noChangeArrowheads="1" noChangeShapeType="1" noTextEdit="1"/>
+          </p:cNvSpPr>
+          <p:nvPr>
+            <p:extLst>
+              <p:ext uri="{386F3935-93C4-4BCD-93E2-E3B085C9AB24}">
+                <p16:designElem xmlns:p16="http://schemas.microsoft.com/office/powerpoint/2015/main" val="1"/>
+              </p:ext>
+            </p:extLst>
+          </p:nvPr>
+        </p:nvSpPr>
+        <p:spPr>
+          <a:xfrm>
+            <a:off x="0" y="0"/>
+            <a:ext cx="12192000" cy="6858000"/>
+          </a:xfrm>
+          <a:prstGeom prst="rect">
+            <a:avLst/>
+          </a:prstGeom>
+          <a:ln w="12700" cap="flat" cmpd="sng" algn="ctr">
+            <a:noFill/>
+            <a:prstDash val="solid"/>
+            <a:miter lim="800000"/>
+          </a:ln>
+          <a:effectLst/>
+          <a:extLst>
+            <a:ext uri="{91240B29-F687-4F45-9708-019B960494DF}">
+              <a14:hiddenLine xmlns:a14="http://schemas.microsoft.com/office/drawing/2010/main" w="12700" cap="flat" cmpd="sng" algn="ctr">
+                <a:solidFill>
+                  <a:schemeClr val="accent1">
+                    <a:shade val="50000"/>
+                  </a:schemeClr>
+                </a:solidFill>
+                <a:prstDash val="solid"/>
+                <a:miter lim="800000"/>
+              </a14:hiddenLine>
+            </a:ext>
+          </a:extLst>
+        </p:spPr>
+        <p:style>
+          <a:lnRef idx="2">
+            <a:schemeClr val="accent1">
+              <a:shade val="50000"/>
+            </a:schemeClr>
+          </a:lnRef>
+          <a:fillRef idx="1">
+            <a:schemeClr val="accent1"/>
+          </a:fillRef>
+          <a:effectRef idx="0">
+            <a:schemeClr val="accent1"/>
+          </a:effectRef>
+          <a:fontRef idx="minor">
+            <a:schemeClr val="lt1"/>
+          </a:fontRef>
+        </p:style>
+        <p:txBody>
+          <a:bodyPr rtlCol="0" anchor="ctr"/>
+          <a:lstStyle/>
+          <a:p>
+            <a:pPr algn="ctr"/>
+            <a:endParaRPr lang="en-US"/>
+          </a:p>
+        </p:txBody>
+      </p:sp>
+      <p:sp>
+        <p:nvSpPr>
+          <p:cNvPr id="9" name="Rectangle 8">
+            <a:extLst>
+              <a:ext uri="{FF2B5EF4-FFF2-40B4-BE49-F238E27FC236}">
+                <a16:creationId xmlns:a16="http://schemas.microsoft.com/office/drawing/2014/main" id="{E2384209-CB15-4CDF-9D31-C44FD9A3F20D}"/>
+              </a:ext>
+              <a:ext uri="{C183D7F6-B498-43B3-948B-1728B52AA6E4}">
+                <adec:decorative xmlns:adec="http://schemas.microsoft.com/office/drawing/2017/decorative" val="1"/>
+              </a:ext>
+            </a:extLst>
+          </p:cNvPr>
+          <p:cNvSpPr>
+            <a:spLocks noGrp="1" noRot="1" noChangeAspect="1" noMove="1" noResize="1" noEditPoints="1" noAdjustHandles="1" noChangeArrowheads="1" noChangeShapeType="1" noTextEdit="1"/>
+          </p:cNvSpPr>
+          <p:nvPr>
+            <p:extLst>
+              <p:ext uri="{386F3935-93C4-4BCD-93E2-E3B085C9AB24}">
+                <p16:designElem xmlns:p16="http://schemas.microsoft.com/office/powerpoint/2015/main" val="1"/>
+              </p:ext>
+            </p:extLst>
+          </p:nvPr>
+        </p:nvSpPr>
+        <p:spPr>
+          <a:xfrm rot="16200000" flipH="1">
+            <a:off x="2666617" y="-2666188"/>
+            <a:ext cx="6858000" cy="12191233"/>
+          </a:xfrm>
+          <a:prstGeom prst="rect">
+            <a:avLst/>
+          </a:prstGeom>
+          <a:gradFill>
+            <a:gsLst>
+              <a:gs pos="8000">
+                <a:schemeClr val="accent1"/>
+              </a:gs>
+              <a:gs pos="100000">
+                <a:schemeClr val="accent1">
+                  <a:lumMod val="50000"/>
+                </a:schemeClr>
+              </a:gs>
+            </a:gsLst>
+            <a:lin ang="12000000" scaled="0"/>
+          </a:gradFill>
+          <a:ln>
+            <a:noFill/>
+          </a:ln>
+        </p:spPr>
+        <p:style>
+          <a:lnRef idx="2">
+            <a:schemeClr val="accent1">
+              <a:shade val="50000"/>
+            </a:schemeClr>
+          </a:lnRef>
+          <a:fillRef idx="1">
+            <a:schemeClr val="accent1"/>
+          </a:fillRef>
+          <a:effectRef idx="0">
+            <a:schemeClr val="accent1"/>
+          </a:effectRef>
+          <a:fontRef idx="minor">
+            <a:schemeClr val="lt1"/>
+          </a:fontRef>
+        </p:style>
+        <p:txBody>
+          <a:bodyPr rtlCol="0" anchor="ctr"/>
+          <a:lstStyle/>
+          <a:p>
+            <a:pPr algn="ctr"/>
+            <a:endParaRPr lang="en-US"/>
+          </a:p>
+        </p:txBody>
+      </p:sp>
+      <p:sp>
+        <p:nvSpPr>
+          <p:cNvPr id="11" name="Rectangle 10">
+            <a:extLst>
+              <a:ext uri="{FF2B5EF4-FFF2-40B4-BE49-F238E27FC236}">
+                <a16:creationId xmlns:a16="http://schemas.microsoft.com/office/drawing/2014/main" id="{2633B3B5-CC90-43F0-8714-D31D1F3F0209}"/>
+              </a:ext>
+              <a:ext uri="{C183D7F6-B498-43B3-948B-1728B52AA6E4}">
+                <adec:decorative xmlns:adec="http://schemas.microsoft.com/office/drawing/2017/decorative" val="1"/>
+              </a:ext>
+            </a:extLst>
+          </p:cNvPr>
+          <p:cNvSpPr>
+            <a:spLocks noGrp="1" noRot="1" noChangeAspect="1" noMove="1" noResize="1" noEditPoints="1" noAdjustHandles="1" noChangeArrowheads="1" noChangeShapeType="1" noTextEdit="1"/>
+          </p:cNvSpPr>
+          <p:nvPr>
+            <p:extLst>
+              <p:ext uri="{386F3935-93C4-4BCD-93E2-E3B085C9AB24}">
+                <p16:designElem xmlns:p16="http://schemas.microsoft.com/office/powerpoint/2015/main" val="1"/>
+              </p:ext>
+            </p:extLst>
+          </p:nvPr>
+        </p:nvSpPr>
+        <p:spPr>
+          <a:xfrm rot="10800000" flipH="1">
+            <a:off x="-2311" y="0"/>
+            <a:ext cx="9070846" cy="6857572"/>
+          </a:xfrm>
+          <a:prstGeom prst="rect">
+            <a:avLst/>
+          </a:prstGeom>
+          <a:gradFill>
+            <a:gsLst>
+              <a:gs pos="8000">
+                <a:srgbClr val="000000">
+                  <a:alpha val="52000"/>
+                </a:srgbClr>
+              </a:gs>
+              <a:gs pos="100000">
+                <a:schemeClr val="accent1"/>
+              </a:gs>
+            </a:gsLst>
+            <a:lin ang="4800000" scaled="0"/>
+          </a:gradFill>
+          <a:ln>
+            <a:noFill/>
+          </a:ln>
+        </p:spPr>
+        <p:style>
+          <a:lnRef idx="2">
+            <a:schemeClr val="accent1">
+              <a:shade val="50000"/>
+            </a:schemeClr>
+          </a:lnRef>
+          <a:fillRef idx="1">
+            <a:schemeClr val="accent1"/>
+          </a:fillRef>
+          <a:effectRef idx="0">
+            <a:schemeClr val="accent1"/>
+          </a:effectRef>
+          <a:fontRef idx="minor">
+            <a:schemeClr val="lt1"/>
+          </a:fontRef>
+        </p:style>
+        <p:txBody>
+          <a:bodyPr rtlCol="0" anchor="ctr"/>
+          <a:lstStyle/>
+          <a:p>
+            <a:pPr algn="ctr"/>
+            <a:endParaRPr lang="en-US"/>
+          </a:p>
+        </p:txBody>
+      </p:sp>
+      <p:sp>
+        <p:nvSpPr>
+          <p:cNvPr id="13" name="Rectangle 12">
+            <a:extLst>
+              <a:ext uri="{FF2B5EF4-FFF2-40B4-BE49-F238E27FC236}">
+                <a16:creationId xmlns:a16="http://schemas.microsoft.com/office/drawing/2014/main" id="{A8D57A06-A426-446D-B02C-A2DC6B62E45E}"/>
+              </a:ext>
+              <a:ext uri="{C183D7F6-B498-43B3-948B-1728B52AA6E4}">
+                <adec:decorative xmlns:adec="http://schemas.microsoft.com/office/drawing/2017/decorative" val="1"/>
+              </a:ext>
+            </a:extLst>
+          </p:cNvPr>
+          <p:cNvSpPr>
+            <a:spLocks noGrp="1" noRot="1" noChangeAspect="1" noMove="1" noResize="1" noEditPoints="1" noAdjustHandles="1" noChangeArrowheads="1" noChangeShapeType="1" noTextEdit="1"/>
+          </p:cNvSpPr>
+          <p:nvPr>
+            <p:extLst>
+              <p:ext uri="{386F3935-93C4-4BCD-93E2-E3B085C9AB24}">
+                <p16:designElem xmlns:p16="http://schemas.microsoft.com/office/powerpoint/2015/main" val="1"/>
+              </p:ext>
+            </p:extLst>
+          </p:nvPr>
+        </p:nvSpPr>
+        <p:spPr>
+          <a:xfrm rot="16200000" flipH="1">
+            <a:off x="3649491" y="-1685840"/>
+            <a:ext cx="4894564" cy="12193546"/>
+          </a:xfrm>
+          <a:prstGeom prst="rect">
+            <a:avLst/>
+          </a:prstGeom>
+          <a:gradFill>
+            <a:gsLst>
+              <a:gs pos="0">
+                <a:schemeClr val="accent5">
+                  <a:lumMod val="60000"/>
+                  <a:lumOff val="40000"/>
+                  <a:alpha val="0"/>
+                </a:schemeClr>
+              </a:gs>
+              <a:gs pos="100000">
+                <a:srgbClr val="000000">
+                  <a:alpha val="46000"/>
+                </a:srgbClr>
+              </a:gs>
+            </a:gsLst>
+            <a:lin ang="1200000" scaled="0"/>
+          </a:gradFill>
+          <a:ln>
+            <a:noFill/>
+          </a:ln>
+        </p:spPr>
+        <p:style>
+          <a:lnRef idx="2">
+            <a:schemeClr val="accent1">
+              <a:shade val="50000"/>
+            </a:schemeClr>
+          </a:lnRef>
+          <a:fillRef idx="1">
+            <a:schemeClr val="accent1"/>
+          </a:fillRef>
+          <a:effectRef idx="0">
+            <a:schemeClr val="accent1"/>
+          </a:effectRef>
+          <a:fontRef idx="minor">
+            <a:schemeClr val="lt1"/>
+          </a:fontRef>
+        </p:style>
+        <p:txBody>
+          <a:bodyPr rtlCol="0" anchor="ctr"/>
+          <a:lstStyle/>
+          <a:p>
+            <a:pPr algn="ctr"/>
+            <a:endParaRPr lang="en-US"/>
+          </a:p>
+        </p:txBody>
+      </p:sp>
+      <p:pic>
+        <p:nvPicPr>
+          <p:cNvPr id="2" name="Picture 1">
+            <a:extLst>
+              <a:ext uri="{FF2B5EF4-FFF2-40B4-BE49-F238E27FC236}">
+                <a16:creationId xmlns:a16="http://schemas.microsoft.com/office/drawing/2014/main" id="{2CD183C0-B73E-2445-A85C-BF8A043724DC}"/>
+              </a:ext>
+            </a:extLst>
+          </p:cNvPr>
+          <p:cNvPicPr>
+            <a:picLocks noChangeAspect="1"/>
+          </p:cNvPicPr>
+          <p:nvPr/>
+        </p:nvPicPr>
+        <p:blipFill rotWithShape="1">
+          <a:blip r:embed="rId3"/>
+          <a:srcRect b="23895"/>
+          <a:stretch/>
+        </p:blipFill>
+        <p:spPr>
+          <a:xfrm>
+            <a:off x="457200" y="457200"/>
+            <a:ext cx="11277600" cy="5943600"/>
+          </a:xfrm>
+          <a:prstGeom prst="rect">
+            <a:avLst/>
+          </a:prstGeom>
+        </p:spPr>
+      </p:pic>
+    </p:spTree>
+    <p:extLst>
+      <p:ext uri="{BB962C8B-B14F-4D97-AF65-F5344CB8AC3E}">
+        <p14:creationId xmlns:p14="http://schemas.microsoft.com/office/powerpoint/2010/main" val="4286935569"/>
+      </p:ext>
+    </p:extLst>
+  </p:cSld>
+  <p:clrMapOvr>
+    <a:masterClrMapping/>
+  </p:clrMapOvr>
+</p:sld>
+</file>
+
+<file path=ppt/slides/slide7.xml><?xml version="1.0" encoding="utf-8"?>
+<p:sld xmlns:a="http://schemas.openxmlformats.org/drawingml/2006/main" xmlns:r="http://schemas.openxmlformats.org/officeDocument/2006/relationships" xmlns:p="http://schemas.openxmlformats.org/presentationml/2006/main">
+  <p:cSld>
     <p:spTree>
       <p:nvGrpSpPr>
         <p:cNvPr id="1" name=""/>
@@ -25076,7 +26006,7 @@
 </p:sld>
 </file>
 
-<file path=ppt/slides/slide7.xml><?xml version="1.0" encoding="utf-8"?>
+<file path=ppt/slides/slide8.xml><?xml version="1.0" encoding="utf-8"?>
 <p:sld xmlns:a="http://schemas.openxmlformats.org/drawingml/2006/main" xmlns:r="http://schemas.openxmlformats.org/officeDocument/2006/relationships" xmlns:p="http://schemas.openxmlformats.org/presentationml/2006/main">
   <p:cSld>
     <p:spTree>
@@ -25288,7 +26218,7 @@
 </p:sld>
 </file>
 
-<file path=ppt/slides/slide8.xml><?xml version="1.0" encoding="utf-8"?>
+<file path=ppt/slides/slide9.xml><?xml version="1.0" encoding="utf-8"?>
 <p:sld xmlns:a="http://schemas.openxmlformats.org/drawingml/2006/main" xmlns:r="http://schemas.openxmlformats.org/officeDocument/2006/relationships" xmlns:p="http://schemas.openxmlformats.org/presentationml/2006/main">
   <p:cSld>
     <p:spTree>
@@ -25349,458 +26279,6 @@
   <p:clrMapOvr>
     <a:masterClrMapping/>
   </p:clrMapOvr>
-</p:sld>
-</file>
-
-<file path=ppt/slides/slide9.xml><?xml version="1.0" encoding="utf-8"?>
-<p:sld xmlns:a="http://schemas.openxmlformats.org/drawingml/2006/main" xmlns:r="http://schemas.openxmlformats.org/officeDocument/2006/relationships" xmlns:p="http://schemas.openxmlformats.org/presentationml/2006/main">
-  <p:cSld>
-    <p:spTree>
-      <p:nvGrpSpPr>
-        <p:cNvPr id="1" name=""/>
-        <p:cNvGrpSpPr/>
-        <p:nvPr/>
-      </p:nvGrpSpPr>
-      <p:grpSpPr>
-        <a:xfrm>
-          <a:off x="0" y="0"/>
-          <a:ext cx="0" cy="0"/>
-          <a:chOff x="0" y="0"/>
-          <a:chExt cx="0" cy="0"/>
-        </a:xfrm>
-      </p:grpSpPr>
-      <p:sp>
-        <p:nvSpPr>
-          <p:cNvPr id="2" name="Title 1">
-            <a:extLst>
-              <a:ext uri="{FF2B5EF4-FFF2-40B4-BE49-F238E27FC236}">
-                <a16:creationId xmlns:a16="http://schemas.microsoft.com/office/drawing/2014/main" id="{93B9DA5C-46FC-4044-9626-68F2474040B3}"/>
-              </a:ext>
-            </a:extLst>
-          </p:cNvPr>
-          <p:cNvSpPr>
-            <a:spLocks noGrp="1"/>
-          </p:cNvSpPr>
-          <p:nvPr>
-            <p:ph type="title"/>
-          </p:nvPr>
-        </p:nvSpPr>
-        <p:spPr/>
-        <p:txBody>
-          <a:bodyPr/>
-          <a:lstStyle/>
-          <a:p>
-            <a:r>
-              <a:rPr lang="en-US" dirty="0"/>
-              <a:t>Problem</a:t>
-            </a:r>
-          </a:p>
-        </p:txBody>
-      </p:sp>
-      <p:sp>
-        <p:nvSpPr>
-          <p:cNvPr id="3" name="Content Placeholder 2">
-            <a:extLst>
-              <a:ext uri="{FF2B5EF4-FFF2-40B4-BE49-F238E27FC236}">
-                <a16:creationId xmlns:a16="http://schemas.microsoft.com/office/drawing/2014/main" id="{7CC2430F-A9B9-1D4B-A366-D471449A2F48}"/>
-              </a:ext>
-            </a:extLst>
-          </p:cNvPr>
-          <p:cNvSpPr>
-            <a:spLocks noGrp="1"/>
-          </p:cNvSpPr>
-          <p:nvPr>
-            <p:ph idx="1"/>
-          </p:nvPr>
-        </p:nvSpPr>
-        <p:spPr>
-          <a:xfrm>
-            <a:off x="838200" y="1693450"/>
-            <a:ext cx="10515600" cy="4799425"/>
-          </a:xfrm>
-        </p:spPr>
-        <p:txBody>
-          <a:bodyPr>
-            <a:normAutofit/>
-          </a:bodyPr>
-          <a:lstStyle/>
-          <a:p>
-            <a:r>
-              <a:rPr lang="en-US" dirty="0"/>
-              <a:t>Linear models may not fully capture the wide variety of functions we need to approximate in supervised learning.</a:t>
-            </a:r>
-          </a:p>
-          <a:p>
-            <a:endParaRPr lang="en-US" dirty="0"/>
-          </a:p>
-          <a:p>
-            <a:r>
-              <a:rPr lang="en-US" dirty="0"/>
-              <a:t>Often, data does not always map to real-valued vectors</a:t>
-            </a:r>
-          </a:p>
-          <a:p>
-            <a:pPr lvl="1"/>
-            <a:r>
-              <a:rPr lang="en-US" dirty="0"/>
-              <a:t>Molecules</a:t>
-            </a:r>
-          </a:p>
-          <a:p>
-            <a:pPr lvl="1"/>
-            <a:r>
-              <a:rPr lang="en-US" dirty="0"/>
-              <a:t>Text</a:t>
-            </a:r>
-          </a:p>
-          <a:p>
-            <a:pPr lvl="1"/>
-            <a:r>
-              <a:rPr lang="en-US" dirty="0"/>
-              <a:t>Graphs</a:t>
-            </a:r>
-          </a:p>
-          <a:p>
-            <a:pPr lvl="1"/>
-            <a:r>
-              <a:rPr lang="en-US" dirty="0"/>
-              <a:t>…</a:t>
-            </a:r>
-          </a:p>
-          <a:p>
-            <a:pPr lvl="1"/>
-            <a:endParaRPr lang="en-US" dirty="0"/>
-          </a:p>
-          <a:p>
-            <a:r>
-              <a:rPr lang="en-US" b="1" dirty="0">
-                <a:solidFill>
-                  <a:srgbClr val="C00000"/>
-                </a:solidFill>
-              </a:rPr>
-              <a:t>Goal: </a:t>
-            </a:r>
-            <a:r>
-              <a:rPr lang="en-US" dirty="0"/>
-              <a:t>Need a way to represent non-linear regression.</a:t>
-            </a:r>
-          </a:p>
-        </p:txBody>
-      </p:sp>
-    </p:spTree>
-    <p:extLst>
-      <p:ext uri="{BB962C8B-B14F-4D97-AF65-F5344CB8AC3E}">
-        <p14:creationId xmlns:p14="http://schemas.microsoft.com/office/powerpoint/2010/main" val="959695622"/>
-      </p:ext>
-    </p:extLst>
-  </p:cSld>
-  <p:clrMapOvr>
-    <a:masterClrMapping/>
-  </p:clrMapOvr>
-  <p:timing>
-    <p:tnLst>
-      <p:par>
-        <p:cTn id="1" dur="indefinite" restart="never" nodeType="tmRoot">
-          <p:childTnLst>
-            <p:seq concurrent="1" nextAc="seek">
-              <p:cTn id="2" dur="indefinite" nodeType="mainSeq">
-                <p:childTnLst>
-                  <p:par>
-                    <p:cTn id="3" fill="hold">
-                      <p:stCondLst>
-                        <p:cond delay="indefinite"/>
-                      </p:stCondLst>
-                      <p:childTnLst>
-                        <p:par>
-                          <p:cTn id="4" fill="hold">
-                            <p:stCondLst>
-                              <p:cond delay="0"/>
-                            </p:stCondLst>
-                            <p:childTnLst>
-                              <p:par>
-                                <p:cTn id="5" presetID="1" presetClass="entr" presetSubtype="0" fill="hold" grpId="0" nodeType="clickEffect">
-                                  <p:stCondLst>
-                                    <p:cond delay="0"/>
-                                  </p:stCondLst>
-                                  <p:childTnLst>
-                                    <p:set>
-                                      <p:cBhvr>
-                                        <p:cTn id="6" dur="1" fill="hold">
-                                          <p:stCondLst>
-                                            <p:cond delay="0"/>
-                                          </p:stCondLst>
-                                        </p:cTn>
-                                        <p:tgtEl>
-                                          <p:spTgt spid="3">
-                                            <p:txEl>
-                                              <p:pRg st="0" end="0"/>
-                                            </p:txEl>
-                                          </p:spTgt>
-                                        </p:tgtEl>
-                                        <p:attrNameLst>
-                                          <p:attrName>style.visibility</p:attrName>
-                                        </p:attrNameLst>
-                                      </p:cBhvr>
-                                      <p:to>
-                                        <p:strVal val="visible"/>
-                                      </p:to>
-                                    </p:set>
-                                  </p:childTnLst>
-                                </p:cTn>
-                              </p:par>
-                            </p:childTnLst>
-                          </p:cTn>
-                        </p:par>
-                      </p:childTnLst>
-                    </p:cTn>
-                  </p:par>
-                  <p:par>
-                    <p:cTn id="7" fill="hold">
-                      <p:stCondLst>
-                        <p:cond delay="indefinite"/>
-                      </p:stCondLst>
-                      <p:childTnLst>
-                        <p:par>
-                          <p:cTn id="8" fill="hold">
-                            <p:stCondLst>
-                              <p:cond delay="0"/>
-                            </p:stCondLst>
-                            <p:childTnLst>
-                              <p:par>
-                                <p:cTn id="9" presetID="1" presetClass="entr" presetSubtype="0" fill="hold" grpId="0" nodeType="clickEffect">
-                                  <p:stCondLst>
-                                    <p:cond delay="0"/>
-                                  </p:stCondLst>
-                                  <p:childTnLst>
-                                    <p:set>
-                                      <p:cBhvr>
-                                        <p:cTn id="10" dur="1" fill="hold">
-                                          <p:stCondLst>
-                                            <p:cond delay="0"/>
-                                          </p:stCondLst>
-                                        </p:cTn>
-                                        <p:tgtEl>
-                                          <p:spTgt spid="3">
-                                            <p:txEl>
-                                              <p:pRg st="2" end="2"/>
-                                            </p:txEl>
-                                          </p:spTgt>
-                                        </p:tgtEl>
-                                        <p:attrNameLst>
-                                          <p:attrName>style.visibility</p:attrName>
-                                        </p:attrNameLst>
-                                      </p:cBhvr>
-                                      <p:to>
-                                        <p:strVal val="visible"/>
-                                      </p:to>
-                                    </p:set>
-                                  </p:childTnLst>
-                                </p:cTn>
-                              </p:par>
-                              <p:par>
-                                <p:cTn id="11" presetID="1" presetClass="entr" presetSubtype="0" fill="hold" grpId="0" nodeType="withEffect">
-                                  <p:stCondLst>
-                                    <p:cond delay="0"/>
-                                  </p:stCondLst>
-                                  <p:childTnLst>
-                                    <p:set>
-                                      <p:cBhvr>
-                                        <p:cTn id="12" dur="1" fill="hold">
-                                          <p:stCondLst>
-                                            <p:cond delay="0"/>
-                                          </p:stCondLst>
-                                        </p:cTn>
-                                        <p:tgtEl>
-                                          <p:spTgt spid="3">
-                                            <p:txEl>
-                                              <p:pRg st="3" end="3"/>
-                                            </p:txEl>
-                                          </p:spTgt>
-                                        </p:tgtEl>
-                                        <p:attrNameLst>
-                                          <p:attrName>style.visibility</p:attrName>
-                                        </p:attrNameLst>
-                                      </p:cBhvr>
-                                      <p:to>
-                                        <p:strVal val="visible"/>
-                                      </p:to>
-                                    </p:set>
-                                  </p:childTnLst>
-                                </p:cTn>
-                              </p:par>
-                              <p:par>
-                                <p:cTn id="13" presetID="1" presetClass="entr" presetSubtype="0" fill="hold" grpId="0" nodeType="withEffect">
-                                  <p:stCondLst>
-                                    <p:cond delay="0"/>
-                                  </p:stCondLst>
-                                  <p:childTnLst>
-                                    <p:set>
-                                      <p:cBhvr>
-                                        <p:cTn id="14" dur="1" fill="hold">
-                                          <p:stCondLst>
-                                            <p:cond delay="0"/>
-                                          </p:stCondLst>
-                                        </p:cTn>
-                                        <p:tgtEl>
-                                          <p:spTgt spid="3">
-                                            <p:txEl>
-                                              <p:pRg st="4" end="4"/>
-                                            </p:txEl>
-                                          </p:spTgt>
-                                        </p:tgtEl>
-                                        <p:attrNameLst>
-                                          <p:attrName>style.visibility</p:attrName>
-                                        </p:attrNameLst>
-                                      </p:cBhvr>
-                                      <p:to>
-                                        <p:strVal val="visible"/>
-                                      </p:to>
-                                    </p:set>
-                                  </p:childTnLst>
-                                </p:cTn>
-                              </p:par>
-                              <p:par>
-                                <p:cTn id="15" presetID="1" presetClass="entr" presetSubtype="0" fill="hold" grpId="0" nodeType="withEffect">
-                                  <p:stCondLst>
-                                    <p:cond delay="0"/>
-                                  </p:stCondLst>
-                                  <p:childTnLst>
-                                    <p:set>
-                                      <p:cBhvr>
-                                        <p:cTn id="16" dur="1" fill="hold">
-                                          <p:stCondLst>
-                                            <p:cond delay="0"/>
-                                          </p:stCondLst>
-                                        </p:cTn>
-                                        <p:tgtEl>
-                                          <p:spTgt spid="3">
-                                            <p:txEl>
-                                              <p:pRg st="5" end="5"/>
-                                            </p:txEl>
-                                          </p:spTgt>
-                                        </p:tgtEl>
-                                        <p:attrNameLst>
-                                          <p:attrName>style.visibility</p:attrName>
-                                        </p:attrNameLst>
-                                      </p:cBhvr>
-                                      <p:to>
-                                        <p:strVal val="visible"/>
-                                      </p:to>
-                                    </p:set>
-                                  </p:childTnLst>
-                                </p:cTn>
-                              </p:par>
-                              <p:par>
-                                <p:cTn id="17" presetID="1" presetClass="entr" presetSubtype="0" fill="hold" grpId="0" nodeType="withEffect">
-                                  <p:stCondLst>
-                                    <p:cond delay="0"/>
-                                  </p:stCondLst>
-                                  <p:childTnLst>
-                                    <p:set>
-                                      <p:cBhvr>
-                                        <p:cTn id="18" dur="1" fill="hold">
-                                          <p:stCondLst>
-                                            <p:cond delay="0"/>
-                                          </p:stCondLst>
-                                        </p:cTn>
-                                        <p:tgtEl>
-                                          <p:spTgt spid="3">
-                                            <p:txEl>
-                                              <p:pRg st="6" end="6"/>
-                                            </p:txEl>
-                                          </p:spTgt>
-                                        </p:tgtEl>
-                                        <p:attrNameLst>
-                                          <p:attrName>style.visibility</p:attrName>
-                                        </p:attrNameLst>
-                                      </p:cBhvr>
-                                      <p:to>
-                                        <p:strVal val="visible"/>
-                                      </p:to>
-                                    </p:set>
-                                  </p:childTnLst>
-                                </p:cTn>
-                              </p:par>
-                            </p:childTnLst>
-                          </p:cTn>
-                        </p:par>
-                      </p:childTnLst>
-                    </p:cTn>
-                  </p:par>
-                  <p:par>
-                    <p:cTn id="19" fill="hold">
-                      <p:stCondLst>
-                        <p:cond delay="indefinite"/>
-                      </p:stCondLst>
-                      <p:childTnLst>
-                        <p:par>
-                          <p:cTn id="20" fill="hold">
-                            <p:stCondLst>
-                              <p:cond delay="0"/>
-                            </p:stCondLst>
-                            <p:childTnLst>
-                              <p:par>
-                                <p:cTn id="21" presetID="1" presetClass="entr" presetSubtype="0" fill="hold" grpId="0" nodeType="clickEffect">
-                                  <p:stCondLst>
-                                    <p:cond delay="0"/>
-                                  </p:stCondLst>
-                                  <p:childTnLst>
-                                    <p:set>
-                                      <p:cBhvr>
-                                        <p:cTn id="22" dur="1" fill="hold">
-                                          <p:stCondLst>
-                                            <p:cond delay="0"/>
-                                          </p:stCondLst>
-                                        </p:cTn>
-                                        <p:tgtEl>
-                                          <p:spTgt spid="3">
-                                            <p:txEl>
-                                              <p:pRg st="8" end="8"/>
-                                            </p:txEl>
-                                          </p:spTgt>
-                                        </p:tgtEl>
-                                        <p:attrNameLst>
-                                          <p:attrName>style.visibility</p:attrName>
-                                        </p:attrNameLst>
-                                      </p:cBhvr>
-                                      <p:to>
-                                        <p:strVal val="visible"/>
-                                      </p:to>
-                                    </p:set>
-                                  </p:childTnLst>
-                                </p:cTn>
-                              </p:par>
-                            </p:childTnLst>
-                          </p:cTn>
-                        </p:par>
-                      </p:childTnLst>
-                    </p:cTn>
-                  </p:par>
-                </p:childTnLst>
-              </p:cTn>
-              <p:prevCondLst>
-                <p:cond evt="onPrev" delay="0">
-                  <p:tgtEl>
-                    <p:sldTgt/>
-                  </p:tgtEl>
-                </p:cond>
-              </p:prevCondLst>
-              <p:nextCondLst>
-                <p:cond evt="onNext" delay="0">
-                  <p:tgtEl>
-                    <p:sldTgt/>
-                  </p:tgtEl>
-                </p:cond>
-              </p:nextCondLst>
-            </p:seq>
-          </p:childTnLst>
-        </p:cTn>
-      </p:par>
-    </p:tnLst>
-    <p:bldLst>
-      <p:bldP spid="3" grpId="0" build="p"/>
-    </p:bldLst>
-  </p:timing>
 </p:sld>
 </file>
 

--- a/docs/slides/10-LinearRegression.pptx
+++ b/docs/slides/10-LinearRegression.pptx
@@ -5323,7 +5323,7 @@
           <a:p>
             <a:fld id="{E50CF968-FEF3-EB46-B83A-6265E01A661D}" type="datetimeFigureOut">
               <a:rPr lang="en-US" smtClean="0"/>
-              <a:t>10/25/22</a:t>
+              <a:t>11/3/25</a:t>
             </a:fld>
             <a:endParaRPr lang="en-US"/>
           </a:p>
@@ -7541,7 +7541,7 @@
           <a:p>
             <a:fld id="{8185FBBC-6FD9-0C44-8F9C-D1B26DF66FB3}" type="datetimeFigureOut">
               <a:rPr lang="en-US" smtClean="0"/>
-              <a:t>10/25/22</a:t>
+              <a:t>11/3/25</a:t>
             </a:fld>
             <a:endParaRPr lang="en-US"/>
           </a:p>
@@ -7739,7 +7739,7 @@
           <a:p>
             <a:fld id="{8185FBBC-6FD9-0C44-8F9C-D1B26DF66FB3}" type="datetimeFigureOut">
               <a:rPr lang="en-US" smtClean="0"/>
-              <a:t>10/25/22</a:t>
+              <a:t>11/3/25</a:t>
             </a:fld>
             <a:endParaRPr lang="en-US"/>
           </a:p>
@@ -7947,7 +7947,7 @@
           <a:p>
             <a:fld id="{8185FBBC-6FD9-0C44-8F9C-D1B26DF66FB3}" type="datetimeFigureOut">
               <a:rPr lang="en-US" smtClean="0"/>
-              <a:t>10/25/22</a:t>
+              <a:t>11/3/25</a:t>
             </a:fld>
             <a:endParaRPr lang="en-US"/>
           </a:p>
@@ -8145,7 +8145,7 @@
           <a:p>
             <a:fld id="{8185FBBC-6FD9-0C44-8F9C-D1B26DF66FB3}" type="datetimeFigureOut">
               <a:rPr lang="en-US" smtClean="0"/>
-              <a:t>10/25/22</a:t>
+              <a:t>11/3/25</a:t>
             </a:fld>
             <a:endParaRPr lang="en-US"/>
           </a:p>
@@ -8420,7 +8420,7 @@
           <a:p>
             <a:fld id="{8185FBBC-6FD9-0C44-8F9C-D1B26DF66FB3}" type="datetimeFigureOut">
               <a:rPr lang="en-US" smtClean="0"/>
-              <a:t>10/25/22</a:t>
+              <a:t>11/3/25</a:t>
             </a:fld>
             <a:endParaRPr lang="en-US"/>
           </a:p>
@@ -8685,7 +8685,7 @@
           <a:p>
             <a:fld id="{8185FBBC-6FD9-0C44-8F9C-D1B26DF66FB3}" type="datetimeFigureOut">
               <a:rPr lang="en-US" smtClean="0"/>
-              <a:t>10/25/22</a:t>
+              <a:t>11/3/25</a:t>
             </a:fld>
             <a:endParaRPr lang="en-US"/>
           </a:p>
@@ -9097,7 +9097,7 @@
           <a:p>
             <a:fld id="{8185FBBC-6FD9-0C44-8F9C-D1B26DF66FB3}" type="datetimeFigureOut">
               <a:rPr lang="en-US" smtClean="0"/>
-              <a:t>10/25/22</a:t>
+              <a:t>11/3/25</a:t>
             </a:fld>
             <a:endParaRPr lang="en-US"/>
           </a:p>
@@ -9238,7 +9238,7 @@
           <a:p>
             <a:fld id="{8185FBBC-6FD9-0C44-8F9C-D1B26DF66FB3}" type="datetimeFigureOut">
               <a:rPr lang="en-US" smtClean="0"/>
-              <a:t>10/25/22</a:t>
+              <a:t>11/3/25</a:t>
             </a:fld>
             <a:endParaRPr lang="en-US"/>
           </a:p>
@@ -9351,7 +9351,7 @@
           <a:p>
             <a:fld id="{8185FBBC-6FD9-0C44-8F9C-D1B26DF66FB3}" type="datetimeFigureOut">
               <a:rPr lang="en-US" smtClean="0"/>
-              <a:t>10/25/22</a:t>
+              <a:t>11/3/25</a:t>
             </a:fld>
             <a:endParaRPr lang="en-US"/>
           </a:p>
@@ -9662,7 +9662,7 @@
           <a:p>
             <a:fld id="{8185FBBC-6FD9-0C44-8F9C-D1B26DF66FB3}" type="datetimeFigureOut">
               <a:rPr lang="en-US" smtClean="0"/>
-              <a:t>10/25/22</a:t>
+              <a:t>11/3/25</a:t>
             </a:fld>
             <a:endParaRPr lang="en-US"/>
           </a:p>
@@ -9950,7 +9950,7 @@
           <a:p>
             <a:fld id="{8185FBBC-6FD9-0C44-8F9C-D1B26DF66FB3}" type="datetimeFigureOut">
               <a:rPr lang="en-US" smtClean="0"/>
-              <a:t>10/25/22</a:t>
+              <a:t>11/3/25</a:t>
             </a:fld>
             <a:endParaRPr lang="en-US"/>
           </a:p>
@@ -10191,7 +10191,7 @@
           <a:p>
             <a:fld id="{8185FBBC-6FD9-0C44-8F9C-D1B26DF66FB3}" type="datetimeFigureOut">
               <a:rPr lang="en-US" smtClean="0"/>
-              <a:t>10/25/22</a:t>
+              <a:t>11/3/25</a:t>
             </a:fld>
             <a:endParaRPr lang="en-US"/>
           </a:p>
